--- a/ES 2019/v4.pptx
+++ b/ES 2019/v4.pptx
@@ -31210,7 +31210,12 @@
             <p:ph sz="quarter" idx="13"/>
           </p:nvPr>
         </p:nvSpPr>
-        <p:spPr/>
+        <p:spPr>
+          <a:xfrm>
+            <a:off x="1271553" y="1773241"/>
+            <a:ext cx="5184487" cy="4248047"/>
+          </a:xfrm>
+        </p:spPr>
         <p:txBody>
           <a:bodyPr/>
           <a:lstStyle/>
@@ -31275,6 +31280,182 @@
               <a:t>Кто я</a:t>
             </a:r>
             <a:endParaRPr lang="ru-RU" dirty="0"/>
+          </a:p>
+        </p:txBody>
+      </p:sp>
+      <p:pic>
+        <p:nvPicPr>
+          <p:cNvPr id="4" name="Рисунок 3"/>
+          <p:cNvPicPr>
+            <a:picLocks noChangeAspect="1"/>
+          </p:cNvPicPr>
+          <p:nvPr/>
+        </p:nvPicPr>
+        <p:blipFill>
+          <a:blip r:embed="rId2" cstate="print">
+            <a:extLst>
+              <a:ext uri="{28A0092B-C50C-407E-A947-70E740481C1C}">
+                <a14:useLocalDpi xmlns:a14="http://schemas.microsoft.com/office/drawing/2010/main" val="0"/>
+              </a:ext>
+            </a:extLst>
+          </a:blip>
+          <a:stretch>
+            <a:fillRect/>
+          </a:stretch>
+        </p:blipFill>
+        <p:spPr>
+          <a:xfrm>
+            <a:off x="7536160" y="1628800"/>
+            <a:ext cx="3384221" cy="4658899"/>
+          </a:xfrm>
+          <a:prstGeom prst="rect">
+            <a:avLst/>
+          </a:prstGeom>
+        </p:spPr>
+      </p:pic>
+      <p:sp>
+        <p:nvSpPr>
+          <p:cNvPr id="5" name="TextBox 7"/>
+          <p:cNvSpPr txBox="1"/>
+          <p:nvPr/>
+        </p:nvSpPr>
+        <p:spPr>
+          <a:xfrm>
+            <a:off x="7795052" y="1640511"/>
+            <a:ext cx="3072910" cy="913976"/>
+          </a:xfrm>
+          <a:prstGeom prst="rect">
+            <a:avLst/>
+          </a:prstGeom>
+        </p:spPr>
+        <p:txBody>
+          <a:bodyPr wrap="none" lIns="0" rtlCol="0" anchor="b">
+            <a:noAutofit/>
+          </a:bodyPr>
+          <a:lstStyle>
+            <a:defPPr>
+              <a:defRPr lang="ru-RU"/>
+            </a:defPPr>
+            <a:lvl1pPr marL="0" algn="l" defTabSz="914400" rtl="0" eaLnBrk="1" latinLnBrk="0" hangingPunct="1">
+              <a:defRPr sz="1800" kern="1200">
+                <a:solidFill>
+                  <a:schemeClr val="tx1"/>
+                </a:solidFill>
+                <a:latin typeface="+mn-lt"/>
+                <a:ea typeface="+mn-ea"/>
+                <a:cs typeface="+mn-cs"/>
+              </a:defRPr>
+            </a:lvl1pPr>
+            <a:lvl2pPr marL="457200" algn="l" defTabSz="914400" rtl="0" eaLnBrk="1" latinLnBrk="0" hangingPunct="1">
+              <a:defRPr sz="1800" kern="1200">
+                <a:solidFill>
+                  <a:schemeClr val="tx1"/>
+                </a:solidFill>
+                <a:latin typeface="+mn-lt"/>
+                <a:ea typeface="+mn-ea"/>
+                <a:cs typeface="+mn-cs"/>
+              </a:defRPr>
+            </a:lvl2pPr>
+            <a:lvl3pPr marL="914400" algn="l" defTabSz="914400" rtl="0" eaLnBrk="1" latinLnBrk="0" hangingPunct="1">
+              <a:defRPr sz="1800" kern="1200">
+                <a:solidFill>
+                  <a:schemeClr val="tx1"/>
+                </a:solidFill>
+                <a:latin typeface="+mn-lt"/>
+                <a:ea typeface="+mn-ea"/>
+                <a:cs typeface="+mn-cs"/>
+              </a:defRPr>
+            </a:lvl3pPr>
+            <a:lvl4pPr marL="1371600" algn="l" defTabSz="914400" rtl="0" eaLnBrk="1" latinLnBrk="0" hangingPunct="1">
+              <a:defRPr sz="1800" kern="1200">
+                <a:solidFill>
+                  <a:schemeClr val="tx1"/>
+                </a:solidFill>
+                <a:latin typeface="+mn-lt"/>
+                <a:ea typeface="+mn-ea"/>
+                <a:cs typeface="+mn-cs"/>
+              </a:defRPr>
+            </a:lvl4pPr>
+            <a:lvl5pPr marL="1828800" algn="l" defTabSz="914400" rtl="0" eaLnBrk="1" latinLnBrk="0" hangingPunct="1">
+              <a:defRPr sz="1800" kern="1200">
+                <a:solidFill>
+                  <a:schemeClr val="tx1"/>
+                </a:solidFill>
+                <a:latin typeface="+mn-lt"/>
+                <a:ea typeface="+mn-ea"/>
+                <a:cs typeface="+mn-cs"/>
+              </a:defRPr>
+            </a:lvl5pPr>
+            <a:lvl6pPr marL="2286000" algn="l" defTabSz="914400" rtl="0" eaLnBrk="1" latinLnBrk="0" hangingPunct="1">
+              <a:defRPr sz="1800" kern="1200">
+                <a:solidFill>
+                  <a:schemeClr val="tx1"/>
+                </a:solidFill>
+                <a:latin typeface="+mn-lt"/>
+                <a:ea typeface="+mn-ea"/>
+                <a:cs typeface="+mn-cs"/>
+              </a:defRPr>
+            </a:lvl6pPr>
+            <a:lvl7pPr marL="2743200" algn="l" defTabSz="914400" rtl="0" eaLnBrk="1" latinLnBrk="0" hangingPunct="1">
+              <a:defRPr sz="1800" kern="1200">
+                <a:solidFill>
+                  <a:schemeClr val="tx1"/>
+                </a:solidFill>
+                <a:latin typeface="+mn-lt"/>
+                <a:ea typeface="+mn-ea"/>
+                <a:cs typeface="+mn-cs"/>
+              </a:defRPr>
+            </a:lvl7pPr>
+            <a:lvl8pPr marL="3200400" algn="l" defTabSz="914400" rtl="0" eaLnBrk="1" latinLnBrk="0" hangingPunct="1">
+              <a:defRPr sz="1800" kern="1200">
+                <a:solidFill>
+                  <a:schemeClr val="tx1"/>
+                </a:solidFill>
+                <a:latin typeface="+mn-lt"/>
+                <a:ea typeface="+mn-ea"/>
+                <a:cs typeface="+mn-cs"/>
+              </a:defRPr>
+            </a:lvl8pPr>
+            <a:lvl9pPr marL="3657600" algn="l" defTabSz="914400" rtl="0" eaLnBrk="1" latinLnBrk="0" hangingPunct="1">
+              <a:defRPr sz="1800" kern="1200">
+                <a:solidFill>
+                  <a:schemeClr val="tx1"/>
+                </a:solidFill>
+                <a:latin typeface="+mn-lt"/>
+                <a:ea typeface="+mn-ea"/>
+                <a:cs typeface="+mn-cs"/>
+              </a:defRPr>
+            </a:lvl9pPr>
+          </a:lstStyle>
+          <a:p>
+            <a:pPr algn="ctr"/>
+            <a:r>
+              <a:rPr lang="en-US" sz="4000" i="1" dirty="0" smtClean="0">
+                <a:solidFill>
+                  <a:schemeClr val="bg1"/>
+                </a:solidFill>
+                <a:effectLst>
+                  <a:outerShdw blurRad="38100" dist="38100" dir="2700000" algn="tl">
+                    <a:srgbClr val="000000">
+                      <a:alpha val="43137"/>
+                    </a:srgbClr>
+                  </a:outerShdw>
+                </a:effectLst>
+              </a:rPr>
+              <a:t>MR.ELASTIC</a:t>
+            </a:r>
+            <a:endParaRPr lang="en-US" sz="4000" i="1" dirty="0" smtClean="0">
+              <a:solidFill>
+                <a:schemeClr val="bg1"/>
+              </a:solidFill>
+              <a:effectLst>
+                <a:outerShdw blurRad="38100" dist="38100" dir="2700000" algn="tl">
+                  <a:srgbClr val="000000">
+                    <a:alpha val="43137"/>
+                  </a:srgbClr>
+                </a:outerShdw>
+              </a:effectLst>
+            </a:endParaRPr>
           </a:p>
         </p:txBody>
       </p:sp>
@@ -36559,6 +36740,36 @@
           </a:p>
         </p:txBody>
       </p:sp>
+      <p:pic>
+        <p:nvPicPr>
+          <p:cNvPr id="4" name="Рисунок 3"/>
+          <p:cNvPicPr>
+            <a:picLocks noChangeAspect="1"/>
+          </p:cNvPicPr>
+          <p:nvPr/>
+        </p:nvPicPr>
+        <p:blipFill>
+          <a:blip r:embed="rId2" cstate="print">
+            <a:extLst>
+              <a:ext uri="{28A0092B-C50C-407E-A947-70E740481C1C}">
+                <a14:useLocalDpi xmlns:a14="http://schemas.microsoft.com/office/drawing/2010/main" val="0"/>
+              </a:ext>
+            </a:extLst>
+          </a:blip>
+          <a:stretch>
+            <a:fillRect/>
+          </a:stretch>
+        </p:blipFill>
+        <p:spPr>
+          <a:xfrm>
+            <a:off x="7150454" y="1712634"/>
+            <a:ext cx="3769927" cy="3095919"/>
+          </a:xfrm>
+          <a:prstGeom prst="rect">
+            <a:avLst/>
+          </a:prstGeom>
+        </p:spPr>
+      </p:pic>
     </p:spTree>
     <p:extLst>
       <p:ext uri="{BB962C8B-B14F-4D97-AF65-F5344CB8AC3E}">
